--- a/study/18. Docker로 Django 애플리케이션 구축하기/Docker로 Django 애플리케이션 구축하기.pptx
+++ b/study/18. Docker로 Django 애플리케이션 구축하기/Docker로 Django 애플리케이션 구축하기.pptx
@@ -215,7 +215,7 @@
           <a:p>
             <a:fld id="{A4CBD0C1-894D-4A2A-BDA5-78F0F2956493}" type="datetimeFigureOut">
               <a:rPr lang="ko-KR" altLang="en-US" smtClean="0"/>
-              <a:t>2020-07-17</a:t>
+              <a:t>2020-07-25</a:t>
             </a:fld>
             <a:endParaRPr lang="ko-KR" altLang="en-US"/>
           </a:p>
@@ -1204,7 +1204,7 @@
           <a:p>
             <a:fld id="{B6FB7DCD-5BA3-48A2-BE8C-591555253DD2}" type="datetimeFigureOut">
               <a:rPr lang="ko-KR" altLang="en-US" smtClean="0"/>
-              <a:t>2020-07-17</a:t>
+              <a:t>2020-07-25</a:t>
             </a:fld>
             <a:endParaRPr lang="ko-KR" altLang="en-US"/>
           </a:p>
@@ -1455,7 +1455,7 @@
           <a:p>
             <a:fld id="{B6FB7DCD-5BA3-48A2-BE8C-591555253DD2}" type="datetimeFigureOut">
               <a:rPr lang="ko-KR" altLang="en-US" smtClean="0"/>
-              <a:t>2020-07-17</a:t>
+              <a:t>2020-07-25</a:t>
             </a:fld>
             <a:endParaRPr lang="ko-KR" altLang="en-US"/>
           </a:p>
@@ -1769,7 +1769,7 @@
           <a:p>
             <a:fld id="{B6FB7DCD-5BA3-48A2-BE8C-591555253DD2}" type="datetimeFigureOut">
               <a:rPr lang="ko-KR" altLang="en-US" smtClean="0"/>
-              <a:t>2020-07-17</a:t>
+              <a:t>2020-07-25</a:t>
             </a:fld>
             <a:endParaRPr lang="ko-KR" altLang="en-US"/>
           </a:p>
@@ -2110,7 +2110,7 @@
           <a:p>
             <a:fld id="{B6FB7DCD-5BA3-48A2-BE8C-591555253DD2}" type="datetimeFigureOut">
               <a:rPr lang="ko-KR" altLang="en-US" smtClean="0"/>
-              <a:t>2020-07-17</a:t>
+              <a:t>2020-07-25</a:t>
             </a:fld>
             <a:endParaRPr lang="ko-KR" altLang="en-US"/>
           </a:p>
@@ -2424,7 +2424,7 @@
           <a:p>
             <a:fld id="{B6FB7DCD-5BA3-48A2-BE8C-591555253DD2}" type="datetimeFigureOut">
               <a:rPr lang="ko-KR" altLang="en-US" smtClean="0"/>
-              <a:t>2020-07-17</a:t>
+              <a:t>2020-07-25</a:t>
             </a:fld>
             <a:endParaRPr lang="ko-KR" altLang="en-US"/>
           </a:p>
@@ -2817,7 +2817,7 @@
           <a:p>
             <a:fld id="{B6FB7DCD-5BA3-48A2-BE8C-591555253DD2}" type="datetimeFigureOut">
               <a:rPr lang="ko-KR" altLang="en-US" smtClean="0"/>
-              <a:t>2020-07-17</a:t>
+              <a:t>2020-07-25</a:t>
             </a:fld>
             <a:endParaRPr lang="ko-KR" altLang="en-US"/>
           </a:p>
@@ -2987,7 +2987,7 @@
           <a:p>
             <a:fld id="{B6FB7DCD-5BA3-48A2-BE8C-591555253DD2}" type="datetimeFigureOut">
               <a:rPr lang="ko-KR" altLang="en-US" smtClean="0"/>
-              <a:t>2020-07-17</a:t>
+              <a:t>2020-07-25</a:t>
             </a:fld>
             <a:endParaRPr lang="ko-KR" altLang="en-US"/>
           </a:p>
@@ -3167,7 +3167,7 @@
           <a:p>
             <a:fld id="{B6FB7DCD-5BA3-48A2-BE8C-591555253DD2}" type="datetimeFigureOut">
               <a:rPr lang="ko-KR" altLang="en-US" smtClean="0"/>
-              <a:t>2020-07-17</a:t>
+              <a:t>2020-07-25</a:t>
             </a:fld>
             <a:endParaRPr lang="ko-KR" altLang="en-US"/>
           </a:p>
@@ -3343,7 +3343,7 @@
           <a:p>
             <a:fld id="{B6FB7DCD-5BA3-48A2-BE8C-591555253DD2}" type="datetimeFigureOut">
               <a:rPr lang="ko-KR" altLang="en-US" smtClean="0"/>
-              <a:t>2020-07-17</a:t>
+              <a:t>2020-07-25</a:t>
             </a:fld>
             <a:endParaRPr lang="ko-KR" altLang="en-US"/>
           </a:p>
@@ -3590,7 +3590,7 @@
           <a:p>
             <a:fld id="{B6FB7DCD-5BA3-48A2-BE8C-591555253DD2}" type="datetimeFigureOut">
               <a:rPr lang="ko-KR" altLang="en-US" smtClean="0"/>
-              <a:t>2020-07-17</a:t>
+              <a:t>2020-07-25</a:t>
             </a:fld>
             <a:endParaRPr lang="ko-KR" altLang="en-US"/>
           </a:p>
@@ -3822,7 +3822,7 @@
           <a:p>
             <a:fld id="{B6FB7DCD-5BA3-48A2-BE8C-591555253DD2}" type="datetimeFigureOut">
               <a:rPr lang="ko-KR" altLang="en-US" smtClean="0"/>
-              <a:t>2020-07-17</a:t>
+              <a:t>2020-07-25</a:t>
             </a:fld>
             <a:endParaRPr lang="ko-KR" altLang="en-US"/>
           </a:p>
@@ -4196,7 +4196,7 @@
           <a:p>
             <a:fld id="{B6FB7DCD-5BA3-48A2-BE8C-591555253DD2}" type="datetimeFigureOut">
               <a:rPr lang="ko-KR" altLang="en-US" smtClean="0"/>
-              <a:t>2020-07-17</a:t>
+              <a:t>2020-07-25</a:t>
             </a:fld>
             <a:endParaRPr lang="ko-KR" altLang="en-US"/>
           </a:p>
@@ -4319,7 +4319,7 @@
           <a:p>
             <a:fld id="{B6FB7DCD-5BA3-48A2-BE8C-591555253DD2}" type="datetimeFigureOut">
               <a:rPr lang="ko-KR" altLang="en-US" smtClean="0"/>
-              <a:t>2020-07-17</a:t>
+              <a:t>2020-07-25</a:t>
             </a:fld>
             <a:endParaRPr lang="ko-KR" altLang="en-US"/>
           </a:p>
@@ -4414,7 +4414,7 @@
           <a:p>
             <a:fld id="{B6FB7DCD-5BA3-48A2-BE8C-591555253DD2}" type="datetimeFigureOut">
               <a:rPr lang="ko-KR" altLang="en-US" smtClean="0"/>
-              <a:t>2020-07-17</a:t>
+              <a:t>2020-07-25</a:t>
             </a:fld>
             <a:endParaRPr lang="ko-KR" altLang="en-US"/>
           </a:p>
@@ -4669,7 +4669,7 @@
           <a:p>
             <a:fld id="{B6FB7DCD-5BA3-48A2-BE8C-591555253DD2}" type="datetimeFigureOut">
               <a:rPr lang="ko-KR" altLang="en-US" smtClean="0"/>
-              <a:t>2020-07-17</a:t>
+              <a:t>2020-07-25</a:t>
             </a:fld>
             <a:endParaRPr lang="ko-KR" altLang="en-US"/>
           </a:p>
@@ -4932,7 +4932,7 @@
           <a:p>
             <a:fld id="{B6FB7DCD-5BA3-48A2-BE8C-591555253DD2}" type="datetimeFigureOut">
               <a:rPr lang="ko-KR" altLang="en-US" smtClean="0"/>
-              <a:t>2020-07-17</a:t>
+              <a:t>2020-07-25</a:t>
             </a:fld>
             <a:endParaRPr lang="ko-KR" altLang="en-US"/>
           </a:p>
@@ -5675,7 +5675,7 @@
           <a:p>
             <a:fld id="{B6FB7DCD-5BA3-48A2-BE8C-591555253DD2}" type="datetimeFigureOut">
               <a:rPr lang="ko-KR" altLang="en-US" smtClean="0"/>
-              <a:t>2020-07-17</a:t>
+              <a:t>2020-07-25</a:t>
             </a:fld>
             <a:endParaRPr lang="ko-KR" altLang="en-US"/>
           </a:p>
@@ -12581,7 +12581,7 @@
         </p:blipFill>
         <p:spPr>
           <a:xfrm>
-            <a:off x="677334" y="2082274"/>
+            <a:off x="677333" y="2082274"/>
             <a:ext cx="4729168" cy="4712652"/>
           </a:xfrm>
           <a:prstGeom prst="rect">
@@ -14579,7 +14579,7 @@
         </p:blipFill>
         <p:spPr>
           <a:xfrm>
-            <a:off x="677333" y="1736025"/>
+            <a:off x="677333" y="1864064"/>
             <a:ext cx="6298553" cy="4052216"/>
           </a:xfrm>
           <a:prstGeom prst="rect">

--- a/study/18. Docker로 Django 애플리케이션 구축하기/Docker로 Django 애플리케이션 구축하기.pptx
+++ b/study/18. Docker로 Django 애플리케이션 구축하기/Docker로 Django 애플리케이션 구축하기.pptx
@@ -215,7 +215,7 @@
           <a:p>
             <a:fld id="{A4CBD0C1-894D-4A2A-BDA5-78F0F2956493}" type="datetimeFigureOut">
               <a:rPr lang="ko-KR" altLang="en-US" smtClean="0"/>
-              <a:t>2020-07-25</a:t>
+              <a:t>2020-07-26</a:t>
             </a:fld>
             <a:endParaRPr lang="ko-KR" altLang="en-US"/>
           </a:p>
@@ -1204,7 +1204,7 @@
           <a:p>
             <a:fld id="{B6FB7DCD-5BA3-48A2-BE8C-591555253DD2}" type="datetimeFigureOut">
               <a:rPr lang="ko-KR" altLang="en-US" smtClean="0"/>
-              <a:t>2020-07-25</a:t>
+              <a:t>2020-07-26</a:t>
             </a:fld>
             <a:endParaRPr lang="ko-KR" altLang="en-US"/>
           </a:p>
@@ -1455,7 +1455,7 @@
           <a:p>
             <a:fld id="{B6FB7DCD-5BA3-48A2-BE8C-591555253DD2}" type="datetimeFigureOut">
               <a:rPr lang="ko-KR" altLang="en-US" smtClean="0"/>
-              <a:t>2020-07-25</a:t>
+              <a:t>2020-07-26</a:t>
             </a:fld>
             <a:endParaRPr lang="ko-KR" altLang="en-US"/>
           </a:p>
@@ -1769,7 +1769,7 @@
           <a:p>
             <a:fld id="{B6FB7DCD-5BA3-48A2-BE8C-591555253DD2}" type="datetimeFigureOut">
               <a:rPr lang="ko-KR" altLang="en-US" smtClean="0"/>
-              <a:t>2020-07-25</a:t>
+              <a:t>2020-07-26</a:t>
             </a:fld>
             <a:endParaRPr lang="ko-KR" altLang="en-US"/>
           </a:p>
@@ -2110,7 +2110,7 @@
           <a:p>
             <a:fld id="{B6FB7DCD-5BA3-48A2-BE8C-591555253DD2}" type="datetimeFigureOut">
               <a:rPr lang="ko-KR" altLang="en-US" smtClean="0"/>
-              <a:t>2020-07-25</a:t>
+              <a:t>2020-07-26</a:t>
             </a:fld>
             <a:endParaRPr lang="ko-KR" altLang="en-US"/>
           </a:p>
@@ -2424,7 +2424,7 @@
           <a:p>
             <a:fld id="{B6FB7DCD-5BA3-48A2-BE8C-591555253DD2}" type="datetimeFigureOut">
               <a:rPr lang="ko-KR" altLang="en-US" smtClean="0"/>
-              <a:t>2020-07-25</a:t>
+              <a:t>2020-07-26</a:t>
             </a:fld>
             <a:endParaRPr lang="ko-KR" altLang="en-US"/>
           </a:p>
@@ -2817,7 +2817,7 @@
           <a:p>
             <a:fld id="{B6FB7DCD-5BA3-48A2-BE8C-591555253DD2}" type="datetimeFigureOut">
               <a:rPr lang="ko-KR" altLang="en-US" smtClean="0"/>
-              <a:t>2020-07-25</a:t>
+              <a:t>2020-07-26</a:t>
             </a:fld>
             <a:endParaRPr lang="ko-KR" altLang="en-US"/>
           </a:p>
@@ -2987,7 +2987,7 @@
           <a:p>
             <a:fld id="{B6FB7DCD-5BA3-48A2-BE8C-591555253DD2}" type="datetimeFigureOut">
               <a:rPr lang="ko-KR" altLang="en-US" smtClean="0"/>
-              <a:t>2020-07-25</a:t>
+              <a:t>2020-07-26</a:t>
             </a:fld>
             <a:endParaRPr lang="ko-KR" altLang="en-US"/>
           </a:p>
@@ -3167,7 +3167,7 @@
           <a:p>
             <a:fld id="{B6FB7DCD-5BA3-48A2-BE8C-591555253DD2}" type="datetimeFigureOut">
               <a:rPr lang="ko-KR" altLang="en-US" smtClean="0"/>
-              <a:t>2020-07-25</a:t>
+              <a:t>2020-07-26</a:t>
             </a:fld>
             <a:endParaRPr lang="ko-KR" altLang="en-US"/>
           </a:p>
@@ -3343,7 +3343,7 @@
           <a:p>
             <a:fld id="{B6FB7DCD-5BA3-48A2-BE8C-591555253DD2}" type="datetimeFigureOut">
               <a:rPr lang="ko-KR" altLang="en-US" smtClean="0"/>
-              <a:t>2020-07-25</a:t>
+              <a:t>2020-07-26</a:t>
             </a:fld>
             <a:endParaRPr lang="ko-KR" altLang="en-US"/>
           </a:p>
@@ -3590,7 +3590,7 @@
           <a:p>
             <a:fld id="{B6FB7DCD-5BA3-48A2-BE8C-591555253DD2}" type="datetimeFigureOut">
               <a:rPr lang="ko-KR" altLang="en-US" smtClean="0"/>
-              <a:t>2020-07-25</a:t>
+              <a:t>2020-07-26</a:t>
             </a:fld>
             <a:endParaRPr lang="ko-KR" altLang="en-US"/>
           </a:p>
@@ -3822,7 +3822,7 @@
           <a:p>
             <a:fld id="{B6FB7DCD-5BA3-48A2-BE8C-591555253DD2}" type="datetimeFigureOut">
               <a:rPr lang="ko-KR" altLang="en-US" smtClean="0"/>
-              <a:t>2020-07-25</a:t>
+              <a:t>2020-07-26</a:t>
             </a:fld>
             <a:endParaRPr lang="ko-KR" altLang="en-US"/>
           </a:p>
@@ -4196,7 +4196,7 @@
           <a:p>
             <a:fld id="{B6FB7DCD-5BA3-48A2-BE8C-591555253DD2}" type="datetimeFigureOut">
               <a:rPr lang="ko-KR" altLang="en-US" smtClean="0"/>
-              <a:t>2020-07-25</a:t>
+              <a:t>2020-07-26</a:t>
             </a:fld>
             <a:endParaRPr lang="ko-KR" altLang="en-US"/>
           </a:p>
@@ -4319,7 +4319,7 @@
           <a:p>
             <a:fld id="{B6FB7DCD-5BA3-48A2-BE8C-591555253DD2}" type="datetimeFigureOut">
               <a:rPr lang="ko-KR" altLang="en-US" smtClean="0"/>
-              <a:t>2020-07-25</a:t>
+              <a:t>2020-07-26</a:t>
             </a:fld>
             <a:endParaRPr lang="ko-KR" altLang="en-US"/>
           </a:p>
@@ -4414,7 +4414,7 @@
           <a:p>
             <a:fld id="{B6FB7DCD-5BA3-48A2-BE8C-591555253DD2}" type="datetimeFigureOut">
               <a:rPr lang="ko-KR" altLang="en-US" smtClean="0"/>
-              <a:t>2020-07-25</a:t>
+              <a:t>2020-07-26</a:t>
             </a:fld>
             <a:endParaRPr lang="ko-KR" altLang="en-US"/>
           </a:p>
@@ -4669,7 +4669,7 @@
           <a:p>
             <a:fld id="{B6FB7DCD-5BA3-48A2-BE8C-591555253DD2}" type="datetimeFigureOut">
               <a:rPr lang="ko-KR" altLang="en-US" smtClean="0"/>
-              <a:t>2020-07-25</a:t>
+              <a:t>2020-07-26</a:t>
             </a:fld>
             <a:endParaRPr lang="ko-KR" altLang="en-US"/>
           </a:p>
@@ -4932,7 +4932,7 @@
           <a:p>
             <a:fld id="{B6FB7DCD-5BA3-48A2-BE8C-591555253DD2}" type="datetimeFigureOut">
               <a:rPr lang="ko-KR" altLang="en-US" smtClean="0"/>
-              <a:t>2020-07-25</a:t>
+              <a:t>2020-07-26</a:t>
             </a:fld>
             <a:endParaRPr lang="ko-KR" altLang="en-US"/>
           </a:p>
@@ -5675,7 +5675,7 @@
           <a:p>
             <a:fld id="{B6FB7DCD-5BA3-48A2-BE8C-591555253DD2}" type="datetimeFigureOut">
               <a:rPr lang="ko-KR" altLang="en-US" smtClean="0"/>
-              <a:t>2020-07-25</a:t>
+              <a:t>2020-07-26</a:t>
             </a:fld>
             <a:endParaRPr lang="ko-KR" altLang="en-US"/>
           </a:p>
@@ -6541,7 +6541,7 @@
         </p:blipFill>
         <p:spPr>
           <a:xfrm>
-            <a:off x="677332" y="1438183"/>
+            <a:off x="677332" y="1296140"/>
             <a:ext cx="6753277" cy="5272003"/>
           </a:xfrm>
           <a:prstGeom prst="rect">

--- a/study/18. Docker로 Django 애플리케이션 구축하기/Docker로 Django 애플리케이션 구축하기.pptx
+++ b/study/18. Docker로 Django 애플리케이션 구축하기/Docker로 Django 애플리케이션 구축하기.pptx
@@ -215,7 +215,7 @@
           <a:p>
             <a:fld id="{A4CBD0C1-894D-4A2A-BDA5-78F0F2956493}" type="datetimeFigureOut">
               <a:rPr lang="ko-KR" altLang="en-US" smtClean="0"/>
-              <a:t>2020-07-26</a:t>
+              <a:t>2020-07-27</a:t>
             </a:fld>
             <a:endParaRPr lang="ko-KR" altLang="en-US"/>
           </a:p>
@@ -1204,7 +1204,7 @@
           <a:p>
             <a:fld id="{B6FB7DCD-5BA3-48A2-BE8C-591555253DD2}" type="datetimeFigureOut">
               <a:rPr lang="ko-KR" altLang="en-US" smtClean="0"/>
-              <a:t>2020-07-26</a:t>
+              <a:t>2020-07-27</a:t>
             </a:fld>
             <a:endParaRPr lang="ko-KR" altLang="en-US"/>
           </a:p>
@@ -1455,7 +1455,7 @@
           <a:p>
             <a:fld id="{B6FB7DCD-5BA3-48A2-BE8C-591555253DD2}" type="datetimeFigureOut">
               <a:rPr lang="ko-KR" altLang="en-US" smtClean="0"/>
-              <a:t>2020-07-26</a:t>
+              <a:t>2020-07-27</a:t>
             </a:fld>
             <a:endParaRPr lang="ko-KR" altLang="en-US"/>
           </a:p>
@@ -1769,7 +1769,7 @@
           <a:p>
             <a:fld id="{B6FB7DCD-5BA3-48A2-BE8C-591555253DD2}" type="datetimeFigureOut">
               <a:rPr lang="ko-KR" altLang="en-US" smtClean="0"/>
-              <a:t>2020-07-26</a:t>
+              <a:t>2020-07-27</a:t>
             </a:fld>
             <a:endParaRPr lang="ko-KR" altLang="en-US"/>
           </a:p>
@@ -2110,7 +2110,7 @@
           <a:p>
             <a:fld id="{B6FB7DCD-5BA3-48A2-BE8C-591555253DD2}" type="datetimeFigureOut">
               <a:rPr lang="ko-KR" altLang="en-US" smtClean="0"/>
-              <a:t>2020-07-26</a:t>
+              <a:t>2020-07-27</a:t>
             </a:fld>
             <a:endParaRPr lang="ko-KR" altLang="en-US"/>
           </a:p>
@@ -2424,7 +2424,7 @@
           <a:p>
             <a:fld id="{B6FB7DCD-5BA3-48A2-BE8C-591555253DD2}" type="datetimeFigureOut">
               <a:rPr lang="ko-KR" altLang="en-US" smtClean="0"/>
-              <a:t>2020-07-26</a:t>
+              <a:t>2020-07-27</a:t>
             </a:fld>
             <a:endParaRPr lang="ko-KR" altLang="en-US"/>
           </a:p>
@@ -2817,7 +2817,7 @@
           <a:p>
             <a:fld id="{B6FB7DCD-5BA3-48A2-BE8C-591555253DD2}" type="datetimeFigureOut">
               <a:rPr lang="ko-KR" altLang="en-US" smtClean="0"/>
-              <a:t>2020-07-26</a:t>
+              <a:t>2020-07-27</a:t>
             </a:fld>
             <a:endParaRPr lang="ko-KR" altLang="en-US"/>
           </a:p>
@@ -2987,7 +2987,7 @@
           <a:p>
             <a:fld id="{B6FB7DCD-5BA3-48A2-BE8C-591555253DD2}" type="datetimeFigureOut">
               <a:rPr lang="ko-KR" altLang="en-US" smtClean="0"/>
-              <a:t>2020-07-26</a:t>
+              <a:t>2020-07-27</a:t>
             </a:fld>
             <a:endParaRPr lang="ko-KR" altLang="en-US"/>
           </a:p>
@@ -3167,7 +3167,7 @@
           <a:p>
             <a:fld id="{B6FB7DCD-5BA3-48A2-BE8C-591555253DD2}" type="datetimeFigureOut">
               <a:rPr lang="ko-KR" altLang="en-US" smtClean="0"/>
-              <a:t>2020-07-26</a:t>
+              <a:t>2020-07-27</a:t>
             </a:fld>
             <a:endParaRPr lang="ko-KR" altLang="en-US"/>
           </a:p>
@@ -3343,7 +3343,7 @@
           <a:p>
             <a:fld id="{B6FB7DCD-5BA3-48A2-BE8C-591555253DD2}" type="datetimeFigureOut">
               <a:rPr lang="ko-KR" altLang="en-US" smtClean="0"/>
-              <a:t>2020-07-26</a:t>
+              <a:t>2020-07-27</a:t>
             </a:fld>
             <a:endParaRPr lang="ko-KR" altLang="en-US"/>
           </a:p>
@@ -3590,7 +3590,7 @@
           <a:p>
             <a:fld id="{B6FB7DCD-5BA3-48A2-BE8C-591555253DD2}" type="datetimeFigureOut">
               <a:rPr lang="ko-KR" altLang="en-US" smtClean="0"/>
-              <a:t>2020-07-26</a:t>
+              <a:t>2020-07-27</a:t>
             </a:fld>
             <a:endParaRPr lang="ko-KR" altLang="en-US"/>
           </a:p>
@@ -3822,7 +3822,7 @@
           <a:p>
             <a:fld id="{B6FB7DCD-5BA3-48A2-BE8C-591555253DD2}" type="datetimeFigureOut">
               <a:rPr lang="ko-KR" altLang="en-US" smtClean="0"/>
-              <a:t>2020-07-26</a:t>
+              <a:t>2020-07-27</a:t>
             </a:fld>
             <a:endParaRPr lang="ko-KR" altLang="en-US"/>
           </a:p>
@@ -4196,7 +4196,7 @@
           <a:p>
             <a:fld id="{B6FB7DCD-5BA3-48A2-BE8C-591555253DD2}" type="datetimeFigureOut">
               <a:rPr lang="ko-KR" altLang="en-US" smtClean="0"/>
-              <a:t>2020-07-26</a:t>
+              <a:t>2020-07-27</a:t>
             </a:fld>
             <a:endParaRPr lang="ko-KR" altLang="en-US"/>
           </a:p>
@@ -4319,7 +4319,7 @@
           <a:p>
             <a:fld id="{B6FB7DCD-5BA3-48A2-BE8C-591555253DD2}" type="datetimeFigureOut">
               <a:rPr lang="ko-KR" altLang="en-US" smtClean="0"/>
-              <a:t>2020-07-26</a:t>
+              <a:t>2020-07-27</a:t>
             </a:fld>
             <a:endParaRPr lang="ko-KR" altLang="en-US"/>
           </a:p>
@@ -4414,7 +4414,7 @@
           <a:p>
             <a:fld id="{B6FB7DCD-5BA3-48A2-BE8C-591555253DD2}" type="datetimeFigureOut">
               <a:rPr lang="ko-KR" altLang="en-US" smtClean="0"/>
-              <a:t>2020-07-26</a:t>
+              <a:t>2020-07-27</a:t>
             </a:fld>
             <a:endParaRPr lang="ko-KR" altLang="en-US"/>
           </a:p>
@@ -4669,7 +4669,7 @@
           <a:p>
             <a:fld id="{B6FB7DCD-5BA3-48A2-BE8C-591555253DD2}" type="datetimeFigureOut">
               <a:rPr lang="ko-KR" altLang="en-US" smtClean="0"/>
-              <a:t>2020-07-26</a:t>
+              <a:t>2020-07-27</a:t>
             </a:fld>
             <a:endParaRPr lang="ko-KR" altLang="en-US"/>
           </a:p>
@@ -4932,7 +4932,7 @@
           <a:p>
             <a:fld id="{B6FB7DCD-5BA3-48A2-BE8C-591555253DD2}" type="datetimeFigureOut">
               <a:rPr lang="ko-KR" altLang="en-US" smtClean="0"/>
-              <a:t>2020-07-26</a:t>
+              <a:t>2020-07-27</a:t>
             </a:fld>
             <a:endParaRPr lang="ko-KR" altLang="en-US"/>
           </a:p>
@@ -5675,7 +5675,7 @@
           <a:p>
             <a:fld id="{B6FB7DCD-5BA3-48A2-BE8C-591555253DD2}" type="datetimeFigureOut">
               <a:rPr lang="ko-KR" altLang="en-US" smtClean="0"/>
-              <a:t>2020-07-26</a:t>
+              <a:t>2020-07-27</a:t>
             </a:fld>
             <a:endParaRPr lang="ko-KR" altLang="en-US"/>
           </a:p>
@@ -11982,7 +11982,7 @@
         </p:blipFill>
         <p:spPr>
           <a:xfrm>
-            <a:off x="677333" y="2082274"/>
+            <a:off x="677333" y="2181665"/>
             <a:ext cx="6940610" cy="3482481"/>
           </a:xfrm>
           <a:prstGeom prst="rect">
